--- a/misc/Executive_Summary_Slides.pptx
+++ b/misc/Executive_Summary_Slides.pptx
@@ -14357,7 +14357,7 @@
           <p:cNvPr id="3" name="图片 2" descr="文本&#10;&#10;AI 生成的内容可能不正确。">
             <a:extLst>
               <a:ext uri="{FF2B5EF4-FFF2-40B4-BE49-F238E27FC236}">
-                <a16:creationId xmlns:a16="http://schemas.microsoft.com/office/drawing/2014/main" id="{F4814173-A858-C53D-4F26-657BC9D95770}"/>
+                <a16:creationId xmlns:a16="http://schemas.microsoft.com/office/drawing/2014/main" id="{0E5AEFD8-0248-A52E-7836-5FBA9EEB9ECD}"/>
               </a:ext>
             </a:extLst>
           </p:cNvPr>
@@ -14374,8 +14374,8 @@
         </p:blipFill>
         <p:spPr>
           <a:xfrm>
-            <a:off x="717068" y="1723345"/>
-            <a:ext cx="8942912" cy="4180115"/>
+            <a:off x="717069" y="1699926"/>
+            <a:ext cx="8994968" cy="4450591"/>
           </a:xfrm>
           <a:prstGeom prst="rect">
             <a:avLst/>

--- a/misc/Executive_Summary_Slides.pptx
+++ b/misc/Executive_Summary_Slides.pptx
@@ -241,7 +241,7 @@
           <a:p>
             <a:fld id="{1EAC8263-881F-4403-8415-ED87C3DBA1BC}" type="datetimeFigureOut">
               <a:rPr lang="zh-CN" altLang="en-US" smtClean="0"/>
-              <a:t>2025/12/28</a:t>
+              <a:t>2025/12/29</a:t>
             </a:fld>
             <a:endParaRPr lang="zh-CN" altLang="en-US"/>
           </a:p>
@@ -5734,7 +5734,15 @@
             </a:r>
             <a:r>
               <a:rPr lang="en-US" altLang="zh-CN" b="1" dirty="0"/>
-              <a:t> directory: Intermediate and full findings, as well as metadata</a:t>
+              <a:t> directory</a:t>
+            </a:r>
+            <a:r>
+              <a:rPr lang="en-US" altLang="zh-CN" b="1"/>
+              <a:t>: Intermediate/full findings and </a:t>
+            </a:r>
+            <a:r>
+              <a:rPr lang="en-US" altLang="zh-CN" b="1" dirty="0"/>
+              <a:t>metadata</a:t>
             </a:r>
           </a:p>
         </p:txBody>
@@ -6671,7 +6679,7 @@
             </p:spPr>
             <p:txBody>
               <a:bodyPr wrap="square" rtlCol="0" anchor="t" anchorCtr="0">
-                <a:normAutofit fontScale="92500" lnSpcReduction="10000"/>
+                <a:normAutofit fontScale="92500" lnSpcReduction="20000"/>
               </a:bodyPr>
               <a:lstStyle>
                 <a:defPPr>
@@ -6864,7 +6872,7 @@
                       <a:schemeClr val="tx1"/>
                     </a:solidFill>
                   </a:rPr>
-                  <a:t>3. Narrative Conciseness, Coherence and Faithfulness</a:t>
+                  <a:t>3. Narrative Coverage, Conciseness, Coherence and Faithfulness</a:t>
                 </a:r>
                 <a:br>
                   <a:rPr lang="en-US" altLang="zh-CN" sz="1600" dirty="0">
@@ -6879,7 +6887,7 @@
                       <a:schemeClr val="tx1"/>
                     </a:solidFill>
                   </a:rPr>
-                  <a:t>The report findings and narrative should be highly coherent, concise, and stay truthful to the findings.</a:t>
+                  <a:t>The report findings and narrative should have adequate coverage, coherent, concise, and stay truthful to findings.</a:t>
                 </a:r>
               </a:p>
             </p:txBody>
@@ -7291,29 +7299,7 @@
                       <a:schemeClr val="tx1"/>
                     </a:solidFill>
                   </a:rPr>
-                  <a:t>2. Clean and structured workflow</a:t>
-                </a:r>
-                <a:br>
-                  <a:rPr lang="en-US" altLang="zh-CN" sz="1600" dirty="0">
-                    <a:solidFill>
-                      <a:schemeClr val="tx1"/>
-                    </a:solidFill>
-                  </a:rPr>
-                </a:br>
-                <a:br>
-                  <a:rPr lang="en-US" altLang="zh-CN" sz="1600" dirty="0">
-                    <a:solidFill>
-                      <a:schemeClr val="tx1"/>
-                    </a:solidFill>
-                  </a:rPr>
-                </a:br>
-                <a:r>
-                  <a:rPr lang="en-US" altLang="zh-CN" sz="1600" b="1" dirty="0">
-                    <a:solidFill>
-                      <a:schemeClr val="tx1"/>
-                    </a:solidFill>
-                  </a:rPr>
-                  <a:t>3. Optimal level of granularity for each agent or workflow module, for ease of orchestration.</a:t>
+                  <a:t>2. Clean and structured workflow. Optimal level of granularity for each agent or workflow module, for ease of orchestration.</a:t>
                 </a:r>
               </a:p>
               <a:p>
@@ -7340,7 +7326,7 @@
                       <a:schemeClr val="tx1"/>
                     </a:solidFill>
                   </a:rPr>
-                  <a:t>4. Transparency and Traceability</a:t>
+                  <a:t>3. Transparency and Traceability</a:t>
                 </a:r>
               </a:p>
             </p:txBody>
@@ -9707,7 +9693,7 @@
                 </a:pPr>
                 <a:r>
                   <a:rPr lang="en-US" altLang="zh-CN" sz="1200" dirty="0"/>
-                  <a:t>Based on the subtask, uses LLM to compute aggregated data, plot, and findings. All these artifacts are saved.</a:t>
+                  <a:t>Based on each subtask, use LLM to compute aggregated data, plot, and findings. All these artifacts are saved.</a:t>
                 </a:r>
               </a:p>
             </p:txBody>
@@ -12522,7 +12508,7 @@
                 </a:pPr>
                 <a:r>
                   <a:rPr lang="it-IT" altLang="zh-CN" sz="1200" dirty="0"/>
-                  <a:t>Generate conclusion and actionable insights. Perform one round of refinement to all findings to ensure coherence.</a:t>
+                  <a:t>Generate conclusion and actionable insights. Perform one round of refinement to all findings.</a:t>
                 </a:r>
                 <a:endParaRPr lang="en-US" altLang="zh-CN" sz="1200" dirty="0"/>
               </a:p>
@@ -13296,7 +13282,7 @@
             </a:br>
             <a:r>
               <a:rPr lang="en-US" altLang="zh-CN" sz="1400" dirty="0"/>
-              <a:t>Focus on decomposing one business question into smaller subtasks, then perform task execution and consolidation.</a:t>
+              <a:t>Focus on decomposing one business question into smaller subtasks. Then, perform subtasks’ execution and consolidation.</a:t>
             </a:r>
             <a:endParaRPr lang="zh-CN" altLang="en-US" sz="1400" dirty="0"/>
           </a:p>
@@ -13913,7 +13899,7 @@
                 <a:cs typeface="+mn-ea"/>
                 <a:sym typeface="Arial" panose="020B0604020202020204" pitchFamily="34" charset="0"/>
               </a:rPr>
-              <a:t>Prompts have to be structured, concise, clear, and goal-oriented.</a:t>
+              <a:t>Prompt need to be structured, concise, clear, and goal-oriented.</a:t>
             </a:r>
           </a:p>
           <a:p>
@@ -13938,7 +13924,7 @@
                 <a:ea typeface="微软雅黑" panose="020B0503020204020204" pitchFamily="34" charset="-122"/>
                 <a:cs typeface="+mn-ea"/>
               </a:rPr>
-              <a:t>Prompts should be used for one task or closely related tasks only, avoid combining unrelated objectives.</a:t>
+              <a:t>Prompt should be used for one task or closely related tasks only, avoid combining unrelated objectives.</a:t>
             </a:r>
             <a:endParaRPr lang="en-US" altLang="zh-CN" dirty="0">
               <a:latin typeface="Arial" panose="020B0604020202020204" pitchFamily="34" charset="0"/>
@@ -19638,7 +19624,7 @@
                 </a:r>
                 <a:r>
                   <a:rPr lang="en-US" altLang="zh-CN" sz="1100" dirty="0"/>
-                  <a:t>, or heuristic-based  computable metrics</a:t>
+                  <a:t>, or computable metrics that are objective</a:t>
                 </a:r>
               </a:p>
             </p:txBody>
@@ -20128,14 +20114,14 @@
           <a:p>
             <a:r>
               <a:rPr lang="en-US" altLang="zh-CN" sz="1600" b="1" dirty="0"/>
-              <a:t>*Submission Report Average Evaluation Score:</a:t>
+              <a:t>*Submission Report Average Evaluation Score (1-5):</a:t>
             </a:r>
             <a:br>
               <a:rPr lang="en-US" altLang="zh-CN" sz="1600" dirty="0"/>
             </a:br>
             <a:r>
               <a:rPr lang="en-US" altLang="zh-CN" sz="1600" dirty="0"/>
-              <a:t>Coverage 4, Coherence 4, Conciseness 4, Faithfulness 5</a:t>
+              <a:t>Coverage 4, Coherence 4, Conciseness 4, Faithfulness 4</a:t>
             </a:r>
             <a:endParaRPr lang="zh-CN" altLang="en-US" sz="1600" dirty="0"/>
           </a:p>
@@ -22724,7 +22710,7 @@
             </a:pPr>
             <a:r>
               <a:rPr lang="en-US" altLang="zh-CN" dirty="0"/>
-              <a:t>LLM should generate fields descriptions, perform EDA, and perform variable binning in advanced.</a:t>
+              <a:t>LLM should generate fields descriptions, perform EDA, and perform variable binning.</a:t>
             </a:r>
           </a:p>
           <a:p>
@@ -22739,7 +22725,7 @@
             </a:pPr>
             <a:r>
               <a:rPr lang="en-US" altLang="zh-CN" dirty="0"/>
-              <a:t>Human or LLM could provide a high-level narrative of the report based on past experience and knowledge.</a:t>
+              <a:t>Human or LLM could provide a high-level narrative (e.g., business questions) of the report based on past experiences and domain knowledge.</a:t>
             </a:r>
             <a:r>
               <a:rPr lang="zh-CN" altLang="en-US" dirty="0"/>
@@ -22801,7 +22787,7 @@
             </a:pPr>
             <a:r>
               <a:rPr lang="en-US" altLang="zh-CN" dirty="0"/>
-              <a:t>LLM control task orchestration. E.g., task parallelism, task sequence…</a:t>
+              <a:t>LLM should control task orchestration. E.g., task parallelism, task sequence…</a:t>
             </a:r>
           </a:p>
           <a:p>
